--- a/sem 6/Concurrency/report/presentation.pptx
+++ b/sem 6/Concurrency/report/presentation.pptx
@@ -13,7 +13,14 @@
     <p:sldId id="261" r:id="rId7"/>
     <p:sldId id="262" r:id="rId8"/>
     <p:sldId id="263" r:id="rId9"/>
-    <p:sldId id="264" r:id="rId10"/>
+    <p:sldId id="265" r:id="rId10"/>
+    <p:sldId id="264" r:id="rId11"/>
+    <p:sldId id="266" r:id="rId12"/>
+    <p:sldId id="267" r:id="rId13"/>
+    <p:sldId id="268" r:id="rId14"/>
+    <p:sldId id="269" r:id="rId15"/>
+    <p:sldId id="270" r:id="rId16"/>
+    <p:sldId id="271" r:id="rId17"/>
   </p:sldIdLst>
   <p:sldSz cx="12192000" cy="6858000"/>
   <p:notesSz cx="6858000" cy="9144000"/>
@@ -112,6 +119,11 @@
       </a:defRPr>
     </a:lvl9pPr>
   </p:defaultTextStyle>
+  <p:extLst>
+    <p:ext uri="{EFAFB233-063F-42B5-8137-9DF3F51BA10A}">
+      <p15:sldGuideLst xmlns:p15="http://schemas.microsoft.com/office/powerpoint/2012/main"/>
+    </p:ext>
+  </p:extLst>
 </p:presentation>
 </file>
 
@@ -278,7 +290,7 @@
           <a:p>
             <a:fld id="{FD3B7BC5-1423-4955-8A58-FF06CE118DCB}" type="datetimeFigureOut">
               <a:rPr lang="en-US" smtClean="0"/>
-              <a:t>4/18/2024</a:t>
+              <a:t>4/19/2024</a:t>
             </a:fld>
             <a:endParaRPr lang="en-US"/>
           </a:p>
@@ -448,7 +460,7 @@
           <a:p>
             <a:fld id="{FD3B7BC5-1423-4955-8A58-FF06CE118DCB}" type="datetimeFigureOut">
               <a:rPr lang="en-US" smtClean="0"/>
-              <a:t>4/18/2024</a:t>
+              <a:t>4/19/2024</a:t>
             </a:fld>
             <a:endParaRPr lang="en-US"/>
           </a:p>
@@ -628,7 +640,7 @@
           <a:p>
             <a:fld id="{FD3B7BC5-1423-4955-8A58-FF06CE118DCB}" type="datetimeFigureOut">
               <a:rPr lang="en-US" smtClean="0"/>
-              <a:t>4/18/2024</a:t>
+              <a:t>4/19/2024</a:t>
             </a:fld>
             <a:endParaRPr lang="en-US"/>
           </a:p>
@@ -798,7 +810,7 @@
           <a:p>
             <a:fld id="{FD3B7BC5-1423-4955-8A58-FF06CE118DCB}" type="datetimeFigureOut">
               <a:rPr lang="en-US" smtClean="0"/>
-              <a:t>4/18/2024</a:t>
+              <a:t>4/19/2024</a:t>
             </a:fld>
             <a:endParaRPr lang="en-US"/>
           </a:p>
@@ -1066,7 +1078,7 @@
           <a:p>
             <a:fld id="{FD3B7BC5-1423-4955-8A58-FF06CE118DCB}" type="datetimeFigureOut">
               <a:rPr lang="en-US" smtClean="0"/>
-              <a:t>4/18/2024</a:t>
+              <a:t>4/19/2024</a:t>
             </a:fld>
             <a:endParaRPr lang="en-US"/>
           </a:p>
@@ -1298,7 +1310,7 @@
           <a:p>
             <a:fld id="{FD3B7BC5-1423-4955-8A58-FF06CE118DCB}" type="datetimeFigureOut">
               <a:rPr lang="en-US" smtClean="0"/>
-              <a:t>4/18/2024</a:t>
+              <a:t>4/19/2024</a:t>
             </a:fld>
             <a:endParaRPr lang="en-US"/>
           </a:p>
@@ -1657,7 +1669,7 @@
           <a:p>
             <a:fld id="{FD3B7BC5-1423-4955-8A58-FF06CE118DCB}" type="datetimeFigureOut">
               <a:rPr lang="en-US" smtClean="0"/>
-              <a:t>4/18/2024</a:t>
+              <a:t>4/19/2024</a:t>
             </a:fld>
             <a:endParaRPr lang="en-US"/>
           </a:p>
@@ -1798,7 +1810,7 @@
           <a:p>
             <a:fld id="{FD3B7BC5-1423-4955-8A58-FF06CE118DCB}" type="datetimeFigureOut">
               <a:rPr lang="en-US" smtClean="0"/>
-              <a:t>4/18/2024</a:t>
+              <a:t>4/19/2024</a:t>
             </a:fld>
             <a:endParaRPr lang="en-US"/>
           </a:p>
@@ -1893,7 +1905,7 @@
           <a:p>
             <a:fld id="{FD3B7BC5-1423-4955-8A58-FF06CE118DCB}" type="datetimeFigureOut">
               <a:rPr lang="en-US" smtClean="0"/>
-              <a:t>4/18/2024</a:t>
+              <a:t>4/19/2024</a:t>
             </a:fld>
             <a:endParaRPr lang="en-US"/>
           </a:p>
@@ -2250,7 +2262,7 @@
           <a:p>
             <a:fld id="{FD3B7BC5-1423-4955-8A58-FF06CE118DCB}" type="datetimeFigureOut">
               <a:rPr lang="en-US" smtClean="0"/>
-              <a:t>4/18/2024</a:t>
+              <a:t>4/19/2024</a:t>
             </a:fld>
             <a:endParaRPr lang="en-US"/>
           </a:p>
@@ -2607,7 +2619,7 @@
           <a:p>
             <a:fld id="{FD3B7BC5-1423-4955-8A58-FF06CE118DCB}" type="datetimeFigureOut">
               <a:rPr lang="en-US" smtClean="0"/>
-              <a:t>4/18/2024</a:t>
+              <a:t>4/19/2024</a:t>
             </a:fld>
             <a:endParaRPr lang="en-US"/>
           </a:p>
@@ -2849,7 +2861,7 @@
           <a:p>
             <a:fld id="{FD3B7BC5-1423-4955-8A58-FF06CE118DCB}" type="datetimeFigureOut">
               <a:rPr lang="en-US" smtClean="0"/>
-              <a:t>4/18/2024</a:t>
+              <a:t>4/19/2024</a:t>
             </a:fld>
             <a:endParaRPr lang="en-US"/>
           </a:p>
@@ -3386,6 +3398,817 @@
 </p:sld>
 </file>
 
+<file path=ppt/slides/slide10.xml><?xml version="1.0" encoding="utf-8"?>
+<p:sld xmlns:a="http://schemas.openxmlformats.org/drawingml/2006/main" xmlns:r="http://schemas.openxmlformats.org/officeDocument/2006/relationships" xmlns:p="http://schemas.openxmlformats.org/presentationml/2006/main">
+  <p:cSld>
+    <p:spTree>
+      <p:nvGrpSpPr>
+        <p:cNvPr id="1" name=""/>
+        <p:cNvGrpSpPr/>
+        <p:nvPr/>
+      </p:nvGrpSpPr>
+      <p:grpSpPr>
+        <a:xfrm>
+          <a:off x="0" y="0"/>
+          <a:ext cx="0" cy="0"/>
+          <a:chOff x="0" y="0"/>
+          <a:chExt cx="0" cy="0"/>
+        </a:xfrm>
+      </p:grpSpPr>
+      <p:sp>
+        <p:nvSpPr>
+          <p:cNvPr id="2" name="Заголовок 1">
+            <a:extLst>
+              <a:ext uri="{FF2B5EF4-FFF2-40B4-BE49-F238E27FC236}">
+                <a16:creationId xmlns:a16="http://schemas.microsoft.com/office/drawing/2014/main" id="{181D7B2C-751E-F021-1E23-C756B73BAD28}"/>
+              </a:ext>
+            </a:extLst>
+          </p:cNvPr>
+          <p:cNvSpPr>
+            <a:spLocks noGrp="1"/>
+          </p:cNvSpPr>
+          <p:nvPr>
+            <p:ph type="title"/>
+          </p:nvPr>
+        </p:nvSpPr>
+        <p:spPr/>
+        <p:txBody>
+          <a:bodyPr/>
+          <a:lstStyle/>
+          <a:p>
+            <a:r>
+              <a:rPr lang="ru-RU" dirty="0"/>
+              <a:t>Что применяется в </a:t>
+            </a:r>
+            <a:r>
+              <a:rPr lang="en-US" dirty="0"/>
+              <a:t>OpenMP</a:t>
+            </a:r>
+            <a:r>
+              <a:rPr lang="ru-RU" dirty="0"/>
+              <a:t>?</a:t>
+            </a:r>
+            <a:endParaRPr lang="en-US" dirty="0"/>
+          </a:p>
+        </p:txBody>
+      </p:sp>
+      <p:sp>
+        <p:nvSpPr>
+          <p:cNvPr id="3" name="Объект 2">
+            <a:extLst>
+              <a:ext uri="{FF2B5EF4-FFF2-40B4-BE49-F238E27FC236}">
+                <a16:creationId xmlns:a16="http://schemas.microsoft.com/office/drawing/2014/main" id="{DB62A55F-C4C0-39B9-0E10-05AC58E12863}"/>
+              </a:ext>
+            </a:extLst>
+          </p:cNvPr>
+          <p:cNvSpPr>
+            <a:spLocks noGrp="1"/>
+          </p:cNvSpPr>
+          <p:nvPr>
+            <p:ph idx="1"/>
+          </p:nvPr>
+        </p:nvSpPr>
+        <p:spPr>
+          <a:xfrm>
+            <a:off x="542295" y="2628712"/>
+            <a:ext cx="4934774" cy="3101983"/>
+          </a:xfrm>
+        </p:spPr>
+        <p:txBody>
+          <a:bodyPr>
+            <a:normAutofit/>
+          </a:bodyPr>
+          <a:lstStyle/>
+          <a:p>
+            <a:pPr marL="0" indent="0">
+              <a:buNone/>
+            </a:pPr>
+            <a:r>
+              <a:rPr lang="en-US" sz="2600" dirty="0"/>
+              <a:t>Static — static scheduling</a:t>
+            </a:r>
+          </a:p>
+          <a:p>
+            <a:pPr marL="0" indent="0">
+              <a:buNone/>
+            </a:pPr>
+            <a:r>
+              <a:rPr lang="en-US" sz="2600" dirty="0"/>
+              <a:t>Dynamic — Self-scheduling</a:t>
+            </a:r>
+          </a:p>
+          <a:p>
+            <a:pPr marL="0" indent="0">
+              <a:buNone/>
+            </a:pPr>
+            <a:r>
+              <a:rPr lang="en-US" sz="2600" dirty="0"/>
+              <a:t>Guided — Guided Self-scheduling</a:t>
+            </a:r>
+          </a:p>
+          <a:p>
+            <a:pPr marL="0" indent="0">
+              <a:buNone/>
+            </a:pPr>
+            <a:endParaRPr lang="en-US" sz="2600" dirty="0"/>
+          </a:p>
+          <a:p>
+            <a:pPr marL="0" indent="0">
+              <a:buNone/>
+            </a:pPr>
+            <a:r>
+              <a:rPr lang="ru-RU" sz="2600" dirty="0"/>
+              <a:t>Всё зависит от реализации!</a:t>
+            </a:r>
+            <a:endParaRPr lang="en-US" sz="2600" dirty="0"/>
+          </a:p>
+        </p:txBody>
+      </p:sp>
+      <p:pic>
+        <p:nvPicPr>
+          <p:cNvPr id="5" name="Объект 4">
+            <a:extLst>
+              <a:ext uri="{FF2B5EF4-FFF2-40B4-BE49-F238E27FC236}">
+                <a16:creationId xmlns:a16="http://schemas.microsoft.com/office/drawing/2014/main" id="{4D3C2453-3AB0-5F3B-D9DC-256277CF0841}"/>
+              </a:ext>
+            </a:extLst>
+          </p:cNvPr>
+          <p:cNvPicPr>
+            <a:picLocks noChangeAspect="1"/>
+          </p:cNvPicPr>
+          <p:nvPr/>
+        </p:nvPicPr>
+        <p:blipFill>
+          <a:blip r:embed="rId2"/>
+          <a:stretch>
+            <a:fillRect/>
+          </a:stretch>
+        </p:blipFill>
+        <p:spPr>
+          <a:xfrm>
+            <a:off x="6167535" y="2628712"/>
+            <a:ext cx="5482170" cy="3245663"/>
+          </a:xfrm>
+          <a:prstGeom prst="rect">
+            <a:avLst/>
+          </a:prstGeom>
+        </p:spPr>
+      </p:pic>
+    </p:spTree>
+    <p:extLst>
+      <p:ext uri="{BB962C8B-B14F-4D97-AF65-F5344CB8AC3E}">
+        <p14:creationId xmlns:p14="http://schemas.microsoft.com/office/powerpoint/2010/main" val="3371530070"/>
+      </p:ext>
+    </p:extLst>
+  </p:cSld>
+  <p:clrMapOvr>
+    <a:masterClrMapping/>
+  </p:clrMapOvr>
+</p:sld>
+</file>
+
+<file path=ppt/slides/slide11.xml><?xml version="1.0" encoding="utf-8"?>
+<p:sld xmlns:a="http://schemas.openxmlformats.org/drawingml/2006/main" xmlns:r="http://schemas.openxmlformats.org/officeDocument/2006/relationships" xmlns:p="http://schemas.openxmlformats.org/presentationml/2006/main">
+  <p:cSld>
+    <p:spTree>
+      <p:nvGrpSpPr>
+        <p:cNvPr id="1" name=""/>
+        <p:cNvGrpSpPr/>
+        <p:nvPr/>
+      </p:nvGrpSpPr>
+      <p:grpSpPr>
+        <a:xfrm>
+          <a:off x="0" y="0"/>
+          <a:ext cx="0" cy="0"/>
+          <a:chOff x="0" y="0"/>
+          <a:chExt cx="0" cy="0"/>
+        </a:xfrm>
+      </p:grpSpPr>
+      <p:sp>
+        <p:nvSpPr>
+          <p:cNvPr id="2" name="Заголовок 1">
+            <a:extLst>
+              <a:ext uri="{FF2B5EF4-FFF2-40B4-BE49-F238E27FC236}">
+                <a16:creationId xmlns:a16="http://schemas.microsoft.com/office/drawing/2014/main" id="{382AF2ED-17B4-AB8B-4852-153E3F5EF9C4}"/>
+              </a:ext>
+            </a:extLst>
+          </p:cNvPr>
+          <p:cNvSpPr>
+            <a:spLocks noGrp="1"/>
+          </p:cNvSpPr>
+          <p:nvPr>
+            <p:ph type="title"/>
+          </p:nvPr>
+        </p:nvSpPr>
+        <p:spPr>
+          <a:xfrm>
+            <a:off x="2231136" y="523613"/>
+            <a:ext cx="7729728" cy="1188720"/>
+          </a:xfrm>
+        </p:spPr>
+        <p:txBody>
+          <a:bodyPr/>
+          <a:lstStyle/>
+          <a:p>
+            <a:r>
+              <a:rPr lang="en-US" dirty="0"/>
+              <a:t>LLVM OpenMP Runtime Library</a:t>
+            </a:r>
+          </a:p>
+        </p:txBody>
+      </p:sp>
+      <p:sp>
+        <p:nvSpPr>
+          <p:cNvPr id="3" name="Объект 2">
+            <a:extLst>
+              <a:ext uri="{FF2B5EF4-FFF2-40B4-BE49-F238E27FC236}">
+                <a16:creationId xmlns:a16="http://schemas.microsoft.com/office/drawing/2014/main" id="{58987A70-9C94-2859-6385-EB51071EAA9B}"/>
+              </a:ext>
+            </a:extLst>
+          </p:cNvPr>
+          <p:cNvSpPr>
+            <a:spLocks noGrp="1"/>
+          </p:cNvSpPr>
+          <p:nvPr>
+            <p:ph idx="1"/>
+          </p:nvPr>
+        </p:nvSpPr>
+        <p:spPr>
+          <a:xfrm>
+            <a:off x="2231136" y="2367457"/>
+            <a:ext cx="7729728" cy="3101983"/>
+          </a:xfrm>
+        </p:spPr>
+        <p:txBody>
+          <a:bodyPr>
+            <a:normAutofit lnSpcReduction="10000"/>
+          </a:bodyPr>
+          <a:lstStyle/>
+          <a:p>
+            <a:pPr marL="0" indent="0">
+              <a:buNone/>
+            </a:pPr>
+            <a:r>
+              <a:rPr lang="en-US" sz="2600" dirty="0"/>
+              <a:t>OpenMP</a:t>
+            </a:r>
+            <a:r>
+              <a:rPr lang="ru-RU" sz="2600" dirty="0"/>
+              <a:t> — это интерфейс, который поддерживает кросс-платформенный параллелизм с общей памятью</a:t>
+            </a:r>
+          </a:p>
+          <a:p>
+            <a:pPr marL="0" indent="0">
+              <a:buNone/>
+            </a:pPr>
+            <a:r>
+              <a:rPr lang="en-US" sz="2600" dirty="0"/>
+              <a:t>LLVM — </a:t>
+            </a:r>
+            <a:r>
+              <a:rPr lang="ru-RU" sz="2600" dirty="0"/>
+              <a:t>это набор модульных технологий и инструментов компилятора.</a:t>
+            </a:r>
+          </a:p>
+          <a:p>
+            <a:pPr marL="0" indent="0">
+              <a:buNone/>
+            </a:pPr>
+            <a:r>
+              <a:rPr lang="en-US" sz="2600" dirty="0"/>
+              <a:t>LLVM</a:t>
+            </a:r>
+            <a:r>
+              <a:rPr lang="ru-RU" sz="2600" dirty="0"/>
+              <a:t> создала библиотеку </a:t>
+            </a:r>
+            <a:r>
+              <a:rPr lang="en-US" sz="2600" dirty="0" err="1"/>
+              <a:t>libomp</a:t>
+            </a:r>
+            <a:r>
+              <a:rPr lang="ru-RU" sz="2600" dirty="0"/>
+              <a:t>, реализуя концепции </a:t>
+            </a:r>
+            <a:r>
+              <a:rPr lang="en-US" sz="2600" dirty="0"/>
+              <a:t>OpenMP</a:t>
+            </a:r>
+          </a:p>
+        </p:txBody>
+      </p:sp>
+    </p:spTree>
+    <p:extLst>
+      <p:ext uri="{BB962C8B-B14F-4D97-AF65-F5344CB8AC3E}">
+        <p14:creationId xmlns:p14="http://schemas.microsoft.com/office/powerpoint/2010/main" val="3850646433"/>
+      </p:ext>
+    </p:extLst>
+  </p:cSld>
+  <p:clrMapOvr>
+    <a:masterClrMapping/>
+  </p:clrMapOvr>
+</p:sld>
+</file>
+
+<file path=ppt/slides/slide12.xml><?xml version="1.0" encoding="utf-8"?>
+<p:sld xmlns:a="http://schemas.openxmlformats.org/drawingml/2006/main" xmlns:r="http://schemas.openxmlformats.org/officeDocument/2006/relationships" xmlns:p="http://schemas.openxmlformats.org/presentationml/2006/main">
+  <p:cSld>
+    <p:spTree>
+      <p:nvGrpSpPr>
+        <p:cNvPr id="1" name=""/>
+        <p:cNvGrpSpPr/>
+        <p:nvPr/>
+      </p:nvGrpSpPr>
+      <p:grpSpPr>
+        <a:xfrm>
+          <a:off x="0" y="0"/>
+          <a:ext cx="0" cy="0"/>
+          <a:chOff x="0" y="0"/>
+          <a:chExt cx="0" cy="0"/>
+        </a:xfrm>
+      </p:grpSpPr>
+      <p:sp>
+        <p:nvSpPr>
+          <p:cNvPr id="2" name="Заголовок 1">
+            <a:extLst>
+              <a:ext uri="{FF2B5EF4-FFF2-40B4-BE49-F238E27FC236}">
+                <a16:creationId xmlns:a16="http://schemas.microsoft.com/office/drawing/2014/main" id="{FAF02130-CF74-02C7-403E-C0EE3346E338}"/>
+              </a:ext>
+            </a:extLst>
+          </p:cNvPr>
+          <p:cNvSpPr>
+            <a:spLocks noGrp="1"/>
+          </p:cNvSpPr>
+          <p:nvPr>
+            <p:ph type="title"/>
+          </p:nvPr>
+        </p:nvSpPr>
+        <p:spPr/>
+        <p:txBody>
+          <a:bodyPr/>
+          <a:lstStyle/>
+          <a:p>
+            <a:r>
+              <a:rPr lang="ru-RU" dirty="0"/>
+              <a:t>Принцип работы </a:t>
+            </a:r>
+            <a:r>
+              <a:rPr lang="en-US" dirty="0"/>
+              <a:t>LLVM</a:t>
+            </a:r>
+          </a:p>
+        </p:txBody>
+      </p:sp>
+      <p:pic>
+        <p:nvPicPr>
+          <p:cNvPr id="5" name="Объект 4">
+            <a:extLst>
+              <a:ext uri="{FF2B5EF4-FFF2-40B4-BE49-F238E27FC236}">
+                <a16:creationId xmlns:a16="http://schemas.microsoft.com/office/drawing/2014/main" id="{791E72B3-065B-195F-10D1-15E0684C84C8}"/>
+              </a:ext>
+            </a:extLst>
+          </p:cNvPr>
+          <p:cNvPicPr>
+            <a:picLocks noGrp="1" noChangeAspect="1"/>
+          </p:cNvPicPr>
+          <p:nvPr>
+            <p:ph idx="1"/>
+          </p:nvPr>
+        </p:nvPicPr>
+        <p:blipFill>
+          <a:blip r:embed="rId2"/>
+          <a:stretch>
+            <a:fillRect/>
+          </a:stretch>
+        </p:blipFill>
+        <p:spPr>
+          <a:xfrm>
+            <a:off x="1949987" y="2951968"/>
+            <a:ext cx="8292025" cy="2767698"/>
+          </a:xfrm>
+          <a:prstGeom prst="rect">
+            <a:avLst/>
+          </a:prstGeom>
+        </p:spPr>
+      </p:pic>
+    </p:spTree>
+    <p:extLst>
+      <p:ext uri="{BB962C8B-B14F-4D97-AF65-F5344CB8AC3E}">
+        <p14:creationId xmlns:p14="http://schemas.microsoft.com/office/powerpoint/2010/main" val="1971717230"/>
+      </p:ext>
+    </p:extLst>
+  </p:cSld>
+  <p:clrMapOvr>
+    <a:masterClrMapping/>
+  </p:clrMapOvr>
+</p:sld>
+</file>
+
+<file path=ppt/slides/slide13.xml><?xml version="1.0" encoding="utf-8"?>
+<p:sld xmlns:a="http://schemas.openxmlformats.org/drawingml/2006/main" xmlns:r="http://schemas.openxmlformats.org/officeDocument/2006/relationships" xmlns:p="http://schemas.openxmlformats.org/presentationml/2006/main">
+  <p:cSld>
+    <p:spTree>
+      <p:nvGrpSpPr>
+        <p:cNvPr id="1" name=""/>
+        <p:cNvGrpSpPr/>
+        <p:nvPr/>
+      </p:nvGrpSpPr>
+      <p:grpSpPr>
+        <a:xfrm>
+          <a:off x="0" y="0"/>
+          <a:ext cx="0" cy="0"/>
+          <a:chOff x="0" y="0"/>
+          <a:chExt cx="0" cy="0"/>
+        </a:xfrm>
+      </p:grpSpPr>
+      <p:sp>
+        <p:nvSpPr>
+          <p:cNvPr id="2" name="Заголовок 1">
+            <a:extLst>
+              <a:ext uri="{FF2B5EF4-FFF2-40B4-BE49-F238E27FC236}">
+                <a16:creationId xmlns:a16="http://schemas.microsoft.com/office/drawing/2014/main" id="{4B5F5FE5-7532-9D3E-25F6-323D7D25CABF}"/>
+              </a:ext>
+            </a:extLst>
+          </p:cNvPr>
+          <p:cNvSpPr>
+            <a:spLocks noGrp="1"/>
+          </p:cNvSpPr>
+          <p:nvPr>
+            <p:ph type="title"/>
+          </p:nvPr>
+        </p:nvSpPr>
+        <p:spPr/>
+        <p:txBody>
+          <a:bodyPr/>
+          <a:lstStyle/>
+          <a:p>
+            <a:r>
+              <a:rPr lang="ru-RU" dirty="0"/>
+              <a:t>Принцип распараллеливания циклов в </a:t>
+            </a:r>
+            <a:r>
+              <a:rPr lang="en-US" dirty="0"/>
+              <a:t>LLVM</a:t>
+            </a:r>
+          </a:p>
+        </p:txBody>
+      </p:sp>
+      <p:pic>
+        <p:nvPicPr>
+          <p:cNvPr id="5" name="Объект 4">
+            <a:extLst>
+              <a:ext uri="{FF2B5EF4-FFF2-40B4-BE49-F238E27FC236}">
+                <a16:creationId xmlns:a16="http://schemas.microsoft.com/office/drawing/2014/main" id="{044B03DA-B3F2-C482-7287-56227FF3FDDA}"/>
+              </a:ext>
+            </a:extLst>
+          </p:cNvPr>
+          <p:cNvPicPr>
+            <a:picLocks noGrp="1" noChangeAspect="1"/>
+          </p:cNvPicPr>
+          <p:nvPr>
+            <p:ph idx="1"/>
+          </p:nvPr>
+        </p:nvPicPr>
+        <p:blipFill>
+          <a:blip r:embed="rId2"/>
+          <a:stretch>
+            <a:fillRect/>
+          </a:stretch>
+        </p:blipFill>
+        <p:spPr>
+          <a:xfrm>
+            <a:off x="2028727" y="2544489"/>
+            <a:ext cx="8134545" cy="3623045"/>
+          </a:xfrm>
+        </p:spPr>
+      </p:pic>
+    </p:spTree>
+    <p:extLst>
+      <p:ext uri="{BB962C8B-B14F-4D97-AF65-F5344CB8AC3E}">
+        <p14:creationId xmlns:p14="http://schemas.microsoft.com/office/powerpoint/2010/main" val="200170623"/>
+      </p:ext>
+    </p:extLst>
+  </p:cSld>
+  <p:clrMapOvr>
+    <a:masterClrMapping/>
+  </p:clrMapOvr>
+</p:sld>
+</file>
+
+<file path=ppt/slides/slide14.xml><?xml version="1.0" encoding="utf-8"?>
+<p:sld xmlns:a="http://schemas.openxmlformats.org/drawingml/2006/main" xmlns:r="http://schemas.openxmlformats.org/officeDocument/2006/relationships" xmlns:p="http://schemas.openxmlformats.org/presentationml/2006/main">
+  <p:cSld>
+    <p:spTree>
+      <p:nvGrpSpPr>
+        <p:cNvPr id="1" name=""/>
+        <p:cNvGrpSpPr/>
+        <p:nvPr/>
+      </p:nvGrpSpPr>
+      <p:grpSpPr>
+        <a:xfrm>
+          <a:off x="0" y="0"/>
+          <a:ext cx="0" cy="0"/>
+          <a:chOff x="0" y="0"/>
+          <a:chExt cx="0" cy="0"/>
+        </a:xfrm>
+      </p:grpSpPr>
+      <p:sp>
+        <p:nvSpPr>
+          <p:cNvPr id="2" name="Заголовок 1">
+            <a:extLst>
+              <a:ext uri="{FF2B5EF4-FFF2-40B4-BE49-F238E27FC236}">
+                <a16:creationId xmlns:a16="http://schemas.microsoft.com/office/drawing/2014/main" id="{4B5F5FE5-7532-9D3E-25F6-323D7D25CABF}"/>
+              </a:ext>
+            </a:extLst>
+          </p:cNvPr>
+          <p:cNvSpPr>
+            <a:spLocks noGrp="1"/>
+          </p:cNvSpPr>
+          <p:nvPr>
+            <p:ph type="title"/>
+          </p:nvPr>
+        </p:nvSpPr>
+        <p:spPr>
+          <a:xfrm>
+            <a:off x="2231136" y="516822"/>
+            <a:ext cx="7729728" cy="1188720"/>
+          </a:xfrm>
+        </p:spPr>
+        <p:txBody>
+          <a:bodyPr/>
+          <a:lstStyle/>
+          <a:p>
+            <a:r>
+              <a:rPr lang="ru-RU" dirty="0"/>
+              <a:t>Функция </a:t>
+            </a:r>
+            <a:r>
+              <a:rPr lang="en-US" dirty="0"/>
+              <a:t>Init</a:t>
+            </a:r>
+          </a:p>
+        </p:txBody>
+      </p:sp>
+      <p:pic>
+        <p:nvPicPr>
+          <p:cNvPr id="7" name="Объект 6">
+            <a:extLst>
+              <a:ext uri="{FF2B5EF4-FFF2-40B4-BE49-F238E27FC236}">
+                <a16:creationId xmlns:a16="http://schemas.microsoft.com/office/drawing/2014/main" id="{598C78AB-F504-4199-1BED-A53375ADCEB9}"/>
+              </a:ext>
+            </a:extLst>
+          </p:cNvPr>
+          <p:cNvPicPr>
+            <a:picLocks noGrp="1" noChangeAspect="1"/>
+          </p:cNvPicPr>
+          <p:nvPr>
+            <p:ph idx="1"/>
+          </p:nvPr>
+        </p:nvPicPr>
+        <p:blipFill>
+          <a:blip r:embed="rId2"/>
+          <a:stretch>
+            <a:fillRect/>
+          </a:stretch>
+        </p:blipFill>
+        <p:spPr>
+          <a:xfrm>
+            <a:off x="3665661" y="2293888"/>
+            <a:ext cx="4860678" cy="3707824"/>
+          </a:xfrm>
+        </p:spPr>
+      </p:pic>
+    </p:spTree>
+    <p:extLst>
+      <p:ext uri="{BB962C8B-B14F-4D97-AF65-F5344CB8AC3E}">
+        <p14:creationId xmlns:p14="http://schemas.microsoft.com/office/powerpoint/2010/main" val="2891203519"/>
+      </p:ext>
+    </p:extLst>
+  </p:cSld>
+  <p:clrMapOvr>
+    <a:masterClrMapping/>
+  </p:clrMapOvr>
+</p:sld>
+</file>
+
+<file path=ppt/slides/slide15.xml><?xml version="1.0" encoding="utf-8"?>
+<p:sld xmlns:a="http://schemas.openxmlformats.org/drawingml/2006/main" xmlns:r="http://schemas.openxmlformats.org/officeDocument/2006/relationships" xmlns:p="http://schemas.openxmlformats.org/presentationml/2006/main">
+  <p:cSld>
+    <p:spTree>
+      <p:nvGrpSpPr>
+        <p:cNvPr id="1" name=""/>
+        <p:cNvGrpSpPr/>
+        <p:nvPr/>
+      </p:nvGrpSpPr>
+      <p:grpSpPr>
+        <a:xfrm>
+          <a:off x="0" y="0"/>
+          <a:ext cx="0" cy="0"/>
+          <a:chOff x="0" y="0"/>
+          <a:chExt cx="0" cy="0"/>
+        </a:xfrm>
+      </p:grpSpPr>
+      <p:sp>
+        <p:nvSpPr>
+          <p:cNvPr id="2" name="Заголовок 1">
+            <a:extLst>
+              <a:ext uri="{FF2B5EF4-FFF2-40B4-BE49-F238E27FC236}">
+                <a16:creationId xmlns:a16="http://schemas.microsoft.com/office/drawing/2014/main" id="{ABC06F87-BAE5-52B5-D2EF-70F7EC41B1D5}"/>
+              </a:ext>
+            </a:extLst>
+          </p:cNvPr>
+          <p:cNvSpPr>
+            <a:spLocks noGrp="1"/>
+          </p:cNvSpPr>
+          <p:nvPr>
+            <p:ph type="title"/>
+          </p:nvPr>
+        </p:nvSpPr>
+        <p:spPr>
+          <a:xfrm>
+            <a:off x="2231135" y="513184"/>
+            <a:ext cx="7729728" cy="1188720"/>
+          </a:xfrm>
+        </p:spPr>
+        <p:txBody>
+          <a:bodyPr/>
+          <a:lstStyle/>
+          <a:p>
+            <a:r>
+              <a:rPr lang="ru-RU" dirty="0"/>
+              <a:t>Функция </a:t>
+            </a:r>
+            <a:r>
+              <a:rPr lang="en-US" dirty="0"/>
+              <a:t>Next</a:t>
+            </a:r>
+          </a:p>
+        </p:txBody>
+      </p:sp>
+      <p:pic>
+        <p:nvPicPr>
+          <p:cNvPr id="9" name="Объект 8">
+            <a:extLst>
+              <a:ext uri="{FF2B5EF4-FFF2-40B4-BE49-F238E27FC236}">
+                <a16:creationId xmlns:a16="http://schemas.microsoft.com/office/drawing/2014/main" id="{1761D4EC-776A-A29F-E0BD-4119BD515F0D}"/>
+              </a:ext>
+            </a:extLst>
+          </p:cNvPr>
+          <p:cNvPicPr>
+            <a:picLocks noGrp="1" noChangeAspect="1"/>
+          </p:cNvPicPr>
+          <p:nvPr>
+            <p:ph idx="1"/>
+          </p:nvPr>
+        </p:nvPicPr>
+        <p:blipFill>
+          <a:blip r:embed="rId2"/>
+          <a:stretch>
+            <a:fillRect/>
+          </a:stretch>
+        </p:blipFill>
+        <p:spPr>
+          <a:xfrm>
+            <a:off x="2778312" y="2237209"/>
+            <a:ext cx="6635373" cy="3948987"/>
+          </a:xfrm>
+          <a:prstGeom prst="rect">
+            <a:avLst/>
+          </a:prstGeom>
+        </p:spPr>
+      </p:pic>
+    </p:spTree>
+    <p:extLst>
+      <p:ext uri="{BB962C8B-B14F-4D97-AF65-F5344CB8AC3E}">
+        <p14:creationId xmlns:p14="http://schemas.microsoft.com/office/powerpoint/2010/main" val="3750494986"/>
+      </p:ext>
+    </p:extLst>
+  </p:cSld>
+  <p:clrMapOvr>
+    <a:masterClrMapping/>
+  </p:clrMapOvr>
+</p:sld>
+</file>
+
+<file path=ppt/slides/slide16.xml><?xml version="1.0" encoding="utf-8"?>
+<p:sld xmlns:a="http://schemas.openxmlformats.org/drawingml/2006/main" xmlns:r="http://schemas.openxmlformats.org/officeDocument/2006/relationships" xmlns:p="http://schemas.openxmlformats.org/presentationml/2006/main">
+  <p:cSld>
+    <p:spTree>
+      <p:nvGrpSpPr>
+        <p:cNvPr id="1" name=""/>
+        <p:cNvGrpSpPr/>
+        <p:nvPr/>
+      </p:nvGrpSpPr>
+      <p:grpSpPr>
+        <a:xfrm>
+          <a:off x="0" y="0"/>
+          <a:ext cx="0" cy="0"/>
+          <a:chOff x="0" y="0"/>
+          <a:chExt cx="0" cy="0"/>
+        </a:xfrm>
+      </p:grpSpPr>
+      <p:sp>
+        <p:nvSpPr>
+          <p:cNvPr id="2" name="Заголовок 1">
+            <a:extLst>
+              <a:ext uri="{FF2B5EF4-FFF2-40B4-BE49-F238E27FC236}">
+                <a16:creationId xmlns:a16="http://schemas.microsoft.com/office/drawing/2014/main" id="{4D677E5B-8990-946F-D883-363B3F394DAF}"/>
+              </a:ext>
+            </a:extLst>
+          </p:cNvPr>
+          <p:cNvSpPr>
+            <a:spLocks noGrp="1"/>
+          </p:cNvSpPr>
+          <p:nvPr>
+            <p:ph type="title"/>
+          </p:nvPr>
+        </p:nvSpPr>
+        <p:spPr/>
+        <p:txBody>
+          <a:bodyPr/>
+          <a:lstStyle/>
+          <a:p>
+            <a:r>
+              <a:rPr lang="ru-RU" dirty="0"/>
+              <a:t>Источники</a:t>
+            </a:r>
+            <a:endParaRPr lang="en-US" dirty="0"/>
+          </a:p>
+        </p:txBody>
+      </p:sp>
+      <p:sp>
+        <p:nvSpPr>
+          <p:cNvPr id="3" name="Объект 2">
+            <a:extLst>
+              <a:ext uri="{FF2B5EF4-FFF2-40B4-BE49-F238E27FC236}">
+                <a16:creationId xmlns:a16="http://schemas.microsoft.com/office/drawing/2014/main" id="{CD7A1394-48D2-6B89-B27B-E0464AEBC5F5}"/>
+              </a:ext>
+            </a:extLst>
+          </p:cNvPr>
+          <p:cNvSpPr>
+            <a:spLocks noGrp="1"/>
+          </p:cNvSpPr>
+          <p:nvPr>
+            <p:ph idx="1"/>
+          </p:nvPr>
+        </p:nvSpPr>
+        <p:spPr/>
+        <p:txBody>
+          <a:bodyPr/>
+          <a:lstStyle/>
+          <a:p>
+            <a:r>
+              <a:rPr lang="en-US" dirty="0">
+                <a:hlinkClick r:id="rId2"/>
+              </a:rPr>
+              <a:t>https://hpc.dmi.unibas.ch/wp-content/uploads/sites/87/2019/11/2018_patrick_buder_ma_thesisjanuary2018.pdf</a:t>
+            </a:r>
+            <a:endParaRPr lang="en-US" dirty="0"/>
+          </a:p>
+          <a:p>
+            <a:r>
+              <a:rPr lang="en-US" dirty="0">
+                <a:hlinkClick r:id="rId3"/>
+              </a:rPr>
+              <a:t>https://llvm.org/</a:t>
+            </a:r>
+            <a:endParaRPr lang="en-US" dirty="0"/>
+          </a:p>
+          <a:p>
+            <a:r>
+              <a:rPr lang="en-US" dirty="0">
+                <a:hlinkClick r:id="rId4"/>
+              </a:rPr>
+              <a:t>Akan Yilmaz (2019). Implementation of Scheduling Algorithms in an OpenMP Runtime Library (Thesis Work).</a:t>
+            </a:r>
+            <a:br>
+              <a:rPr lang="en-US" dirty="0">
+                <a:hlinkClick r:id="rId4"/>
+              </a:rPr>
+            </a:br>
+            <a:r>
+              <a:rPr lang="en-US" dirty="0">
+                <a:hlinkClick r:id="rId4"/>
+              </a:rPr>
+              <a:t>Natural Science Faculty of the University of Basel Department of Mathematics and Computer Science High Performance Computing.</a:t>
+            </a:r>
+            <a:endParaRPr lang="en-US" dirty="0"/>
+          </a:p>
+        </p:txBody>
+      </p:sp>
+    </p:spTree>
+    <p:extLst>
+      <p:ext uri="{BB962C8B-B14F-4D97-AF65-F5344CB8AC3E}">
+        <p14:creationId xmlns:p14="http://schemas.microsoft.com/office/powerpoint/2010/main" val="2952259580"/>
+      </p:ext>
+    </p:extLst>
+  </p:cSld>
+  <p:clrMapOvr>
+    <a:masterClrMapping/>
+  </p:clrMapOvr>
+</p:sld>
+</file>
+
 <file path=ppt/slides/slide2.xml><?xml version="1.0" encoding="utf-8"?>
 <p:sld xmlns:a="http://schemas.openxmlformats.org/drawingml/2006/main" xmlns:r="http://schemas.openxmlformats.org/officeDocument/2006/relationships" xmlns:p="http://schemas.openxmlformats.org/presentationml/2006/main">
   <p:cSld>
@@ -5112,7 +5935,12 @@
             <p:ph type="title"/>
           </p:nvPr>
         </p:nvSpPr>
-        <p:spPr/>
+        <p:spPr>
+          <a:xfrm>
+            <a:off x="2231136" y="637281"/>
+            <a:ext cx="7729728" cy="1188720"/>
+          </a:xfrm>
+        </p:spPr>
         <p:txBody>
           <a:bodyPr/>
           <a:lstStyle/>
@@ -5148,8 +5976,8 @@
         </p:blipFill>
         <p:spPr>
           <a:xfrm>
-            <a:off x="1324211" y="2947073"/>
-            <a:ext cx="3925068" cy="2679286"/>
+            <a:off x="1091356" y="2641495"/>
+            <a:ext cx="4820390" cy="3290441"/>
           </a:xfrm>
         </p:spPr>
       </p:pic>
@@ -5168,14 +5996,14 @@
           <p:nvPr>
             <p:extLst>
               <p:ext uri="{D42A27DB-BD31-4B8C-83A1-F6EECF244321}">
-                <p14:modId xmlns:p14="http://schemas.microsoft.com/office/powerpoint/2010/main" val="1795007591"/>
+                <p14:modId xmlns:p14="http://schemas.microsoft.com/office/powerpoint/2010/main" val="2328797775"/>
               </p:ext>
             </p:extLst>
           </p:nvPr>
         </p:nvGraphicFramePr>
         <p:xfrm>
-          <a:off x="6942723" y="3123617"/>
-          <a:ext cx="4419178" cy="2650194"/>
+          <a:off x="6681466" y="2230360"/>
+          <a:ext cx="4419178" cy="4112712"/>
         </p:xfrm>
         <a:graphic>
           <a:graphicData uri="http://schemas.openxmlformats.org/drawingml/2006/table">
@@ -5359,10 +6187,9 @@
                     <a:p>
                       <a:pPr algn="ctr"/>
                       <a:r>
-                        <a:rPr lang="en-US"/>
+                        <a:rPr lang="en-US" dirty="0"/>
                         <a:t>N</a:t>
                       </a:r>
-                      <a:endParaRPr lang="en-US" dirty="0"/>
                     </a:p>
                   </a:txBody>
                   <a:tcPr/>
@@ -5372,6 +6199,10 @@
                     <a:bodyPr/>
                     <a:lstStyle/>
                     <a:p>
+                      <a:r>
+                        <a:rPr lang="ru-RU" dirty="0"/>
+                        <a:t>Количество итераций</a:t>
+                      </a:r>
                       <a:endParaRPr lang="en-US" dirty="0"/>
                     </a:p>
                   </a:txBody>
@@ -5380,6 +6211,104 @@
                 <a:extLst>
                   <a:ext uri="{0D108BD9-81ED-4DB2-BD59-A6C34878D82A}">
                     <a16:rowId xmlns:a16="http://schemas.microsoft.com/office/drawing/2014/main" val="4074413184"/>
+                  </a:ext>
+                </a:extLst>
+              </a:tr>
+              <a:tr h="548118">
+                <a:tc>
+                  <a:txBody>
+                    <a:bodyPr/>
+                    <a:lstStyle/>
+                    <a:p>
+                      <a:pPr algn="ctr"/>
+                      <a:r>
+                        <a:rPr lang="en-US" dirty="0"/>
+                        <a:t>C</a:t>
+                      </a:r>
+                      <a:r>
+                        <a:rPr lang="en-US" baseline="-25000" dirty="0"/>
+                        <a:t>s</a:t>
+                      </a:r>
+                    </a:p>
+                  </a:txBody>
+                  <a:tcPr/>
+                </a:tc>
+                <a:tc>
+                  <a:txBody>
+                    <a:bodyPr/>
+                    <a:lstStyle/>
+                    <a:p>
+                      <a:r>
+                        <a:rPr lang="ru-RU" dirty="0"/>
+                        <a:t>Размер </a:t>
+                      </a:r>
+                      <a:r>
+                        <a:rPr lang="ru-RU" dirty="0" err="1"/>
+                        <a:t>чанка</a:t>
+                      </a:r>
+                      <a:endParaRPr lang="en-US" dirty="0"/>
+                    </a:p>
+                  </a:txBody>
+                  <a:tcPr/>
+                </a:tc>
+                <a:extLst>
+                  <a:ext uri="{0D108BD9-81ED-4DB2-BD59-A6C34878D82A}">
+                    <a16:rowId xmlns:a16="http://schemas.microsoft.com/office/drawing/2014/main" val="919001588"/>
+                  </a:ext>
+                </a:extLst>
+              </a:tr>
+              <a:tr h="548118">
+                <a:tc>
+                  <a:txBody>
+                    <a:bodyPr/>
+                    <a:lstStyle/>
+                    <a:p>
+                      <a:pPr marL="0" marR="0" lvl="0" indent="0" algn="ctr" defTabSz="914400" rtl="0" eaLnBrk="1" fontAlgn="auto" latinLnBrk="0" hangingPunct="1">
+                        <a:lnSpc>
+                          <a:spcPct val="100000"/>
+                        </a:lnSpc>
+                        <a:spcBef>
+                          <a:spcPts val="0"/>
+                        </a:spcBef>
+                        <a:spcAft>
+                          <a:spcPts val="0"/>
+                        </a:spcAft>
+                        <a:buClrTx/>
+                        <a:buSzTx/>
+                        <a:buFontTx/>
+                        <a:buNone/>
+                        <a:tabLst/>
+                        <a:defRPr/>
+                      </a:pPr>
+                      <a:r>
+                        <a:rPr lang="en-US" dirty="0"/>
+                        <a:t>t</a:t>
+                      </a:r>
+                    </a:p>
+                    <a:p>
+                      <a:pPr algn="ctr"/>
+                      <a:endParaRPr lang="en-US" baseline="-25000" dirty="0"/>
+                    </a:p>
+                  </a:txBody>
+                  <a:tcPr/>
+                </a:tc>
+                <a:tc>
+                  <a:txBody>
+                    <a:bodyPr/>
+                    <a:lstStyle/>
+                    <a:p>
+                      <a:r>
+                        <a:rPr lang="ru-RU" dirty="0"/>
+                        <a:t>Количество уже произведённых операций диспетчеризации</a:t>
+                      </a:r>
+                      <a:endParaRPr lang="en-US" dirty="0"/>
+                    </a:p>
+                  </a:txBody>
+                  <a:tcPr/>
+                </a:tc>
+                <a:extLst>
+                  <a:ext uri="{0D108BD9-81ED-4DB2-BD59-A6C34878D82A}">
+                    <a16:rowId xmlns:a16="http://schemas.microsoft.com/office/drawing/2014/main" val="2144519444"/>
                   </a:ext>
                 </a:extLst>
               </a:tr>
@@ -5422,7 +6351,7 @@
           <p:cNvPr id="2" name="Заголовок 1">
             <a:extLst>
               <a:ext uri="{FF2B5EF4-FFF2-40B4-BE49-F238E27FC236}">
-                <a16:creationId xmlns:a16="http://schemas.microsoft.com/office/drawing/2014/main" id="{181D7B2C-751E-F021-1E23-C756B73BAD28}"/>
+                <a16:creationId xmlns:a16="http://schemas.microsoft.com/office/drawing/2014/main" id="{8E200A80-FD2D-E445-4013-55EAEAA81A71}"/>
               </a:ext>
             </a:extLst>
           </p:cNvPr>
@@ -5433,28 +6362,30 @@
             <p:ph type="title"/>
           </p:nvPr>
         </p:nvSpPr>
-        <p:spPr/>
+        <p:spPr>
+          <a:xfrm>
+            <a:off x="2231136" y="644911"/>
+            <a:ext cx="7729728" cy="1188720"/>
+          </a:xfrm>
+        </p:spPr>
         <p:txBody>
           <a:bodyPr/>
           <a:lstStyle/>
           <a:p>
             <a:r>
               <a:rPr lang="ru-RU" dirty="0"/>
-              <a:t>Реализация типов диспетчеризации в </a:t>
-            </a:r>
-            <a:r>
-              <a:rPr lang="en-US" dirty="0"/>
-              <a:t>OpenMP</a:t>
-            </a:r>
-          </a:p>
-        </p:txBody>
-      </p:sp>
-      <p:sp>
-        <p:nvSpPr>
-          <p:cNvPr id="3" name="Объект 2">
+              <a:t>Другие методы</a:t>
+            </a:r>
+            <a:endParaRPr lang="en-US" dirty="0"/>
+          </a:p>
+        </p:txBody>
+      </p:sp>
+      <p:sp>
+        <p:nvSpPr>
+          <p:cNvPr id="11" name="Объект 10">
             <a:extLst>
               <a:ext uri="{FF2B5EF4-FFF2-40B4-BE49-F238E27FC236}">
-                <a16:creationId xmlns:a16="http://schemas.microsoft.com/office/drawing/2014/main" id="{DB62A55F-C4C0-39B9-0E10-05AC58E12863}"/>
+                <a16:creationId xmlns:a16="http://schemas.microsoft.com/office/drawing/2014/main" id="{4694944B-4968-4FC8-F15D-76AD08497466}"/>
               </a:ext>
             </a:extLst>
           </p:cNvPr>
@@ -5465,61 +6396,72 @@
             <p:ph idx="1"/>
           </p:nvPr>
         </p:nvSpPr>
-        <p:spPr/>
+        <p:spPr>
+          <a:xfrm>
+            <a:off x="2231136" y="2348795"/>
+            <a:ext cx="7729728" cy="3781417"/>
+          </a:xfrm>
+        </p:spPr>
         <p:txBody>
           <a:bodyPr>
-            <a:normAutofit/>
+            <a:noAutofit/>
           </a:bodyPr>
           <a:lstStyle/>
           <a:p>
-            <a:pPr marL="0" indent="0" algn="ctr">
-              <a:buNone/>
-            </a:pPr>
-            <a:r>
-              <a:rPr lang="en-US" sz="2600" dirty="0"/>
-              <a:t>Static — static scheduling</a:t>
-            </a:r>
-          </a:p>
-          <a:p>
-            <a:pPr marL="0" indent="0" algn="ctr">
-              <a:buNone/>
-            </a:pPr>
-            <a:r>
-              <a:rPr lang="en-US" sz="2600" dirty="0"/>
-              <a:t>Dynamic — Self-scheduling</a:t>
-            </a:r>
-          </a:p>
-          <a:p>
-            <a:pPr marL="0" indent="0" algn="ctr">
-              <a:buNone/>
-            </a:pPr>
-            <a:r>
-              <a:rPr lang="en-US" sz="2600" dirty="0"/>
-              <a:t>Guided — Guided Self-scheduling</a:t>
-            </a:r>
-          </a:p>
-          <a:p>
-            <a:pPr marL="0" indent="0" algn="ctr">
-              <a:buNone/>
-            </a:pPr>
-            <a:endParaRPr lang="en-US" sz="2600" dirty="0"/>
-          </a:p>
-          <a:p>
-            <a:pPr marL="0" indent="0" algn="ctr">
-              <a:buNone/>
-            </a:pPr>
-            <a:r>
-              <a:rPr lang="ru-RU" sz="2600" dirty="0"/>
-              <a:t>Всё зависит от реализации!</a:t>
-            </a:r>
-            <a:endParaRPr lang="en-US" sz="2600" dirty="0"/>
+            <a:r>
+              <a:rPr lang="en-US" sz="2200" dirty="0"/>
+              <a:t>Factoring</a:t>
+            </a:r>
+          </a:p>
+          <a:p>
+            <a:r>
+              <a:rPr lang="en-US" sz="2200" dirty="0"/>
+              <a:t>Weighted Factoring</a:t>
+            </a:r>
+          </a:p>
+          <a:p>
+            <a:r>
+              <a:rPr lang="en-US" sz="2200" dirty="0"/>
+              <a:t>Taper</a:t>
+            </a:r>
+          </a:p>
+          <a:p>
+            <a:r>
+              <a:rPr lang="en-US" sz="2200" dirty="0" err="1"/>
+              <a:t>Fractiling</a:t>
+            </a:r>
+            <a:endParaRPr lang="en-US" sz="2200" dirty="0"/>
+          </a:p>
+          <a:p>
+            <a:r>
+              <a:rPr lang="en-US" sz="2200" dirty="0"/>
+              <a:t>The Bold Strategy (adaptive!)</a:t>
+            </a:r>
+          </a:p>
+          <a:p>
+            <a:r>
+              <a:rPr lang="en-US" sz="2200" dirty="0"/>
+              <a:t>Adaptive Factoring</a:t>
+            </a:r>
+          </a:p>
+          <a:p>
+            <a:r>
+              <a:rPr lang="en-US" sz="2200" dirty="0"/>
+              <a:t>Adaptive Weighted Factoring</a:t>
+            </a:r>
+          </a:p>
+          <a:p>
+            <a:r>
+              <a:rPr lang="en-US" sz="2200" dirty="0"/>
+              <a:t>Adaptive Weighted Factoring Variants</a:t>
+            </a:r>
           </a:p>
         </p:txBody>
       </p:sp>
     </p:spTree>
     <p:extLst>
       <p:ext uri="{BB962C8B-B14F-4D97-AF65-F5344CB8AC3E}">
-        <p14:creationId xmlns:p14="http://schemas.microsoft.com/office/powerpoint/2010/main" val="3371530070"/>
+        <p14:creationId xmlns:p14="http://schemas.microsoft.com/office/powerpoint/2010/main" val="2208720637"/>
       </p:ext>
     </p:extLst>
   </p:cSld>
